--- a/video tec.pptx
+++ b/video tec.pptx
@@ -872,8 +872,8 @@
         </p:nvSpPr>
         <p:spPr>
           <a:xfrm>
-            <a:off x="1143225" y="685800"/>
-            <a:ext cx="4572225" cy="3429000"/>
+            <a:off x="381000" y="685800"/>
+            <a:ext cx="6096000" cy="3429000"/>
           </a:xfrm>
           <a:custGeom>
             <a:avLst/>
@@ -11807,6 +11807,14 @@
   <p:clrMapOvr>
     <a:masterClrMapping/>
   </p:clrMapOvr>
+  <mc:AlternateContent xmlns:mc="http://schemas.openxmlformats.org/markup-compatibility/2006">
+    <mc:Choice xmlns:p14="http://schemas.microsoft.com/office/powerpoint/2010/main" Requires="p14">
+      <p:transition spd="slow" p14:dur="1250" advTm="3000"/>
+    </mc:Choice>
+    <mc:Fallback>
+      <p:transition spd="slow" advTm="3000"/>
+    </mc:Fallback>
+  </mc:AlternateContent>
 </p:sld>
 </file>
 
@@ -11835,8 +11843,8 @@
         </p:nvSpPr>
         <p:spPr>
           <a:xfrm>
-            <a:off x="3260941" y="485755"/>
-            <a:ext cx="7198292" cy="5078313"/>
+            <a:off x="892629" y="485755"/>
+            <a:ext cx="9566604" cy="3835873"/>
           </a:xfrm>
           <a:prstGeom prst="rect">
             <a:avLst/>
@@ -11862,7 +11870,7 @@
               <a:buNone/>
             </a:pPr>
             <a:r>
-              <a:rPr lang="es-CO" sz="3600" b="0" i="0" u="none" strike="noStrike" cap="none">
+              <a:rPr lang="es-CO" sz="3600" b="0" i="0" u="none" strike="noStrike" cap="none" dirty="0">
                 <a:solidFill>
                   <a:schemeClr val="dk1"/>
                 </a:solidFill>
@@ -11871,9 +11879,33 @@
                 <a:cs typeface="Calibri"/>
                 <a:sym typeface="Calibri"/>
               </a:rPr>
-              <a:t>La comunicación ha evolucionado a pasos agigantados. Desde las pinturas rupestres, nuestra forma de transmitir mensajes ha pasado por diversos formatos hasta llegar a la revolución digital, en la que Twitter y Facebook generaron una nueva forma de comunicar, más real y conectada</a:t>
+              <a:t>La comunicación ha evolucionado a pasos agigantados. Desde las pinturas rupestres, nuestra forma de transmitir mensajes ha pasado por diversos formatos hasta llegar a la revolución digital, en la que </a:t>
             </a:r>
-            <a:endParaRPr sz="3600">
+            <a:r>
+              <a:rPr lang="es-CO" sz="3600" b="0" i="0" u="none" strike="noStrike" cap="none" dirty="0" err="1">
+                <a:solidFill>
+                  <a:schemeClr val="dk1"/>
+                </a:solidFill>
+                <a:latin typeface="Calibri"/>
+                <a:ea typeface="Calibri"/>
+                <a:cs typeface="Calibri"/>
+                <a:sym typeface="Calibri"/>
+              </a:rPr>
+              <a:t>Twitter</a:t>
+            </a:r>
+            <a:r>
+              <a:rPr lang="es-CO" sz="3600" b="0" i="0" u="none" strike="noStrike" cap="none" dirty="0">
+                <a:solidFill>
+                  <a:schemeClr val="dk1"/>
+                </a:solidFill>
+                <a:latin typeface="Calibri"/>
+                <a:ea typeface="Calibri"/>
+                <a:cs typeface="Calibri"/>
+                <a:sym typeface="Calibri"/>
+              </a:rPr>
+              <a:t> y Facebook generaron una nueva forma de comunicar, más real y conectada</a:t>
+            </a:r>
+            <a:endParaRPr sz="3600" dirty="0">
               <a:solidFill>
                 <a:schemeClr val="dk1"/>
               </a:solidFill>
@@ -12046,7 +12078,7 @@
           <p:nvPr/>
         </p:nvPicPr>
         <p:blipFill rotWithShape="1">
-          <a:blip r:embed="rId4">
+          <a:blip r:embed="rId3">
             <a:alphaModFix/>
           </a:blip>
           <a:srcRect/>
@@ -12071,6 +12103,14 @@
   <p:clrMapOvr>
     <a:masterClrMapping/>
   </p:clrMapOvr>
+  <mc:AlternateContent xmlns:mc="http://schemas.openxmlformats.org/markup-compatibility/2006">
+    <mc:Choice xmlns:p14="http://schemas.microsoft.com/office/powerpoint/2010/main" Requires="p14">
+      <p:transition spd="slow" p14:dur="2000" advTm="3000"/>
+    </mc:Choice>
+    <mc:Fallback>
+      <p:transition spd="slow" advTm="3000"/>
+    </mc:Fallback>
+  </mc:AlternateContent>
 </p:sld>
 </file>
 
@@ -12227,7 +12267,7 @@
           <p:nvPr/>
         </p:nvPicPr>
         <p:blipFill rotWithShape="1">
-          <a:blip r:embed="rId4">
+          <a:blip r:embed="rId3">
             <a:alphaModFix/>
           </a:blip>
           <a:srcRect/>
@@ -12252,6 +12292,14 @@
   <p:clrMapOvr>
     <a:masterClrMapping/>
   </p:clrMapOvr>
+  <mc:AlternateContent xmlns:mc="http://schemas.openxmlformats.org/markup-compatibility/2006">
+    <mc:Choice xmlns:p14="http://schemas.microsoft.com/office/powerpoint/2010/main" Requires="p14">
+      <p:transition spd="slow" p14:dur="2000" advTm="3000"/>
+    </mc:Choice>
+    <mc:Fallback>
+      <p:transition spd="slow" advTm="3000"/>
+    </mc:Fallback>
+  </mc:AlternateContent>
 </p:sld>
 </file>
 
@@ -12364,7 +12412,7 @@
           <p:nvPr/>
         </p:nvPicPr>
         <p:blipFill rotWithShape="1">
-          <a:blip r:embed="rId4">
+          <a:blip r:embed="rId3">
             <a:alphaModFix/>
           </a:blip>
           <a:srcRect/>
@@ -12389,6 +12437,21 @@
   <p:clrMapOvr>
     <a:masterClrMapping/>
   </p:clrMapOvr>
+  <mc:AlternateContent xmlns:mc="http://schemas.openxmlformats.org/markup-compatibility/2006">
+    <mc:Choice xmlns:p14="http://schemas.microsoft.com/office/powerpoint/2010/main" Requires="p14">
+      <p:transition spd="slow" p14:dur="2000" advTm="3000"/>
+    </mc:Choice>
+    <mc:Fallback>
+      <p:transition spd="slow" advTm="3000"/>
+    </mc:Fallback>
+  </mc:AlternateContent>
+  <p:timing>
+    <p:tnLst>
+      <p:par>
+        <p:cTn id="1" dur="indefinite" restart="never" nodeType="tmRoot"/>
+      </p:par>
+    </p:tnLst>
+  </p:timing>
 </p:sld>
 </file>
 
@@ -12605,7 +12668,7 @@
           <p:nvPr/>
         </p:nvPicPr>
         <p:blipFill>
-          <a:blip r:embed="rId3"/>
+          <a:blip r:embed="rId2"/>
           <a:stretch>
             <a:fillRect/>
           </a:stretch>
@@ -12630,6 +12693,25 @@
   <p:clrMapOvr>
     <a:masterClrMapping/>
   </p:clrMapOvr>
+  <mc:AlternateContent xmlns:mc="http://schemas.openxmlformats.org/markup-compatibility/2006">
+    <mc:Choice xmlns:p14="http://schemas.microsoft.com/office/powerpoint/2010/main" Requires="p14">
+      <p:transition spd="slow" p14:dur="1250" advTm="3000">
+        <p:push dir="u"/>
+      </p:transition>
+    </mc:Choice>
+    <mc:Fallback>
+      <p:transition spd="slow" advTm="3000">
+        <p:push dir="u"/>
+      </p:transition>
+    </mc:Fallback>
+  </mc:AlternateContent>
+  <p:timing>
+    <p:tnLst>
+      <p:par>
+        <p:cTn id="1" dur="indefinite" restart="never" nodeType="tmRoot"/>
+      </p:par>
+    </p:tnLst>
+  </p:timing>
 </p:sld>
 </file>
 
@@ -12792,7 +12874,7 @@
           <p:nvPr/>
         </p:nvPicPr>
         <p:blipFill>
-          <a:blip r:embed="rId3"/>
+          <a:blip r:embed="rId2"/>
           <a:stretch>
             <a:fillRect/>
           </a:stretch>
@@ -12816,7 +12898,7 @@
           <p:nvPr/>
         </p:nvPicPr>
         <p:blipFill>
-          <a:blip r:embed="rId4"/>
+          <a:blip r:embed="rId2"/>
           <a:stretch>
             <a:fillRect/>
           </a:stretch>
@@ -12841,6 +12923,14 @@
   <p:clrMapOvr>
     <a:masterClrMapping/>
   </p:clrMapOvr>
+  <mc:AlternateContent xmlns:mc="http://schemas.openxmlformats.org/markup-compatibility/2006">
+    <mc:Choice xmlns:p14="http://schemas.microsoft.com/office/powerpoint/2010/main" Requires="p14">
+      <p:transition spd="slow" p14:dur="2000" advTm="3000"/>
+    </mc:Choice>
+    <mc:Fallback>
+      <p:transition spd="slow" advTm="3000"/>
+    </mc:Fallback>
+  </mc:AlternateContent>
   <p:timing>
     <p:tnLst>
       <p:par>
